--- a/lectures/01.strategy/strategy.pptx
+++ b/lectures/01.strategy/strategy.pptx
@@ -242,7 +242,7 @@
           <a:p>
             <a:fld id="{2F3DCB6D-0B48-4A3D-B663-06C3F903A9D3}" type="datetimeFigureOut">
               <a:rPr lang="ru-RU" smtClean="0"/>
-              <a:t>02.02.2017</a:t>
+              <a:t>01.02.2018</a:t>
             </a:fld>
             <a:endParaRPr lang="ru-RU"/>
           </a:p>
@@ -842,7 +842,7 @@
           <a:p>
             <a:fld id="{2590F9C9-AB92-4E86-B698-DEC9BF4350FF}" type="datetimeFigureOut">
               <a:rPr lang="ru-RU" smtClean="0"/>
-              <a:t>02.02.2017</a:t>
+              <a:t>01.02.2018</a:t>
             </a:fld>
             <a:endParaRPr lang="ru-RU"/>
           </a:p>
@@ -1072,7 +1072,7 @@
           <a:p>
             <a:fld id="{2590F9C9-AB92-4E86-B698-DEC9BF4350FF}" type="datetimeFigureOut">
               <a:rPr lang="ru-RU" smtClean="0"/>
-              <a:t>02.02.2017</a:t>
+              <a:t>01.02.2018</a:t>
             </a:fld>
             <a:endParaRPr lang="ru-RU"/>
           </a:p>
@@ -1352,7 +1352,7 @@
           <a:p>
             <a:fld id="{2590F9C9-AB92-4E86-B698-DEC9BF4350FF}" type="datetimeFigureOut">
               <a:rPr lang="ru-RU" smtClean="0"/>
-              <a:t>02.02.2017</a:t>
+              <a:t>01.02.2018</a:t>
             </a:fld>
             <a:endParaRPr lang="ru-RU"/>
           </a:p>
@@ -1531,7 +1531,7 @@
           <a:p>
             <a:fld id="{2590F9C9-AB92-4E86-B698-DEC9BF4350FF}" type="datetimeFigureOut">
               <a:rPr lang="ru-RU" smtClean="0"/>
-              <a:t>02.02.2017</a:t>
+              <a:t>01.02.2018</a:t>
             </a:fld>
             <a:endParaRPr lang="ru-RU"/>
           </a:p>
@@ -1896,7 +1896,7 @@
           <a:p>
             <a:fld id="{2590F9C9-AB92-4E86-B698-DEC9BF4350FF}" type="datetimeFigureOut">
               <a:rPr lang="ru-RU" smtClean="0"/>
-              <a:t>02.02.2017</a:t>
+              <a:t>01.02.2018</a:t>
             </a:fld>
             <a:endParaRPr lang="ru-RU"/>
           </a:p>
@@ -2190,7 +2190,7 @@
           <a:p>
             <a:fld id="{2590F9C9-AB92-4E86-B698-DEC9BF4350FF}" type="datetimeFigureOut">
               <a:rPr lang="ru-RU" smtClean="0"/>
-              <a:t>02.02.2017</a:t>
+              <a:t>01.02.2018</a:t>
             </a:fld>
             <a:endParaRPr lang="ru-RU"/>
           </a:p>
@@ -2612,7 +2612,7 @@
           <a:p>
             <a:fld id="{2590F9C9-AB92-4E86-B698-DEC9BF4350FF}" type="datetimeFigureOut">
               <a:rPr lang="ru-RU" smtClean="0"/>
-              <a:t>02.02.2017</a:t>
+              <a:t>01.02.2018</a:t>
             </a:fld>
             <a:endParaRPr lang="ru-RU"/>
           </a:p>
@@ -2727,7 +2727,7 @@
           <a:p>
             <a:fld id="{2590F9C9-AB92-4E86-B698-DEC9BF4350FF}" type="datetimeFigureOut">
               <a:rPr lang="ru-RU" smtClean="0"/>
-              <a:t>02.02.2017</a:t>
+              <a:t>01.02.2018</a:t>
             </a:fld>
             <a:endParaRPr lang="ru-RU"/>
           </a:p>
@@ -2824,7 +2824,7 @@
           <a:p>
             <a:fld id="{2590F9C9-AB92-4E86-B698-DEC9BF4350FF}" type="datetimeFigureOut">
               <a:rPr lang="ru-RU" smtClean="0"/>
-              <a:t>02.02.2017</a:t>
+              <a:t>01.02.2018</a:t>
             </a:fld>
             <a:endParaRPr lang="ru-RU"/>
           </a:p>
@@ -3109,7 +3109,7 @@
           <a:p>
             <a:fld id="{2590F9C9-AB92-4E86-B698-DEC9BF4350FF}" type="datetimeFigureOut">
               <a:rPr lang="ru-RU" smtClean="0"/>
-              <a:t>02.02.2017</a:t>
+              <a:t>01.02.2018</a:t>
             </a:fld>
             <a:endParaRPr lang="ru-RU"/>
           </a:p>
@@ -3475,7 +3475,7 @@
           <a:p>
             <a:fld id="{2590F9C9-AB92-4E86-B698-DEC9BF4350FF}" type="datetimeFigureOut">
               <a:rPr lang="ru-RU" smtClean="0"/>
-              <a:t>02.02.2017</a:t>
+              <a:t>01.02.2018</a:t>
             </a:fld>
             <a:endParaRPr lang="ru-RU"/>
           </a:p>
@@ -3912,7 +3912,7 @@
           <a:p>
             <a:fld id="{2590F9C9-AB92-4E86-B698-DEC9BF4350FF}" type="datetimeFigureOut">
               <a:rPr lang="ru-RU" smtClean="0"/>
-              <a:t>02.02.2017</a:t>
+              <a:t>01.02.2018</a:t>
             </a:fld>
             <a:endParaRPr lang="ru-RU"/>
           </a:p>
@@ -5155,7 +5155,7 @@
         </p:nvSpPr>
         <p:spPr>
           <a:xfrm>
-            <a:off x="1115616" y="4850645"/>
+            <a:off x="1115616" y="5229200"/>
             <a:ext cx="432048" cy="360040"/>
           </a:xfrm>
           <a:prstGeom prst="ellipse">

--- a/lectures/01.strategy/strategy.pptx
+++ b/lectures/01.strategy/strategy.pptx
@@ -5,7 +5,7 @@
     <p:sldMasterId id="2147483672" r:id="rId1"/>
   </p:sldMasterIdLst>
   <p:notesMasterIdLst>
-    <p:notesMasterId r:id="rId34"/>
+    <p:notesMasterId r:id="rId35"/>
   </p:notesMasterIdLst>
   <p:sldIdLst>
     <p:sldId id="256" r:id="rId2"/>
@@ -38,13 +38,14 @@
     <p:sldId id="283" r:id="rId29"/>
     <p:sldId id="284" r:id="rId30"/>
     <p:sldId id="285" r:id="rId31"/>
-    <p:sldId id="286" r:id="rId32"/>
-    <p:sldId id="287" r:id="rId33"/>
+    <p:sldId id="288" r:id="rId32"/>
+    <p:sldId id="286" r:id="rId33"/>
+    <p:sldId id="287" r:id="rId34"/>
   </p:sldIdLst>
   <p:sldSz cx="9144000" cy="6858000" type="screen4x3"/>
   <p:notesSz cx="6858000" cy="9144000"/>
   <p:custDataLst>
-    <p:tags r:id="rId35"/>
+    <p:tags r:id="rId36"/>
   </p:custDataLst>
   <p:defaultTextStyle>
     <a:defPPr>
@@ -242,7 +243,7 @@
           <a:p>
             <a:fld id="{2F3DCB6D-0B48-4A3D-B663-06C3F903A9D3}" type="datetimeFigureOut">
               <a:rPr lang="ru-RU" smtClean="0"/>
-              <a:t>01.02.2018</a:t>
+              <a:t>06.09.2018</a:t>
             </a:fld>
             <a:endParaRPr lang="ru-RU"/>
           </a:p>
@@ -654,9 +655,7 @@
         </p:style>
         <p:txBody>
           <a:bodyPr rtlCol="0" anchor="ctr"/>
-          <a:lstStyle>
-            <a:extLst/>
-          </a:lstStyle>
+          <a:lstStyle/>
           <a:p>
             <a:pPr algn="ctr" eaLnBrk="1" latinLnBrk="0" hangingPunct="1"/>
             <a:endParaRPr kumimoji="0" lang="en-US"/>
@@ -842,7 +841,7 @@
           <a:p>
             <a:fld id="{2590F9C9-AB92-4E86-B698-DEC9BF4350FF}" type="datetimeFigureOut">
               <a:rPr lang="ru-RU" smtClean="0"/>
-              <a:t>01.02.2018</a:t>
+              <a:t>06.09.2018</a:t>
             </a:fld>
             <a:endParaRPr lang="ru-RU"/>
           </a:p>
@@ -935,9 +934,7 @@
         </p:style>
         <p:txBody>
           <a:bodyPr rtlCol="0" anchor="ctr"/>
-          <a:lstStyle>
-            <a:extLst/>
-          </a:lstStyle>
+          <a:lstStyle/>
           <a:p>
             <a:pPr algn="ctr" eaLnBrk="1" latinLnBrk="0" hangingPunct="1"/>
             <a:endParaRPr kumimoji="0" lang="en-US"/>
@@ -989,9 +986,7 @@
         <p:spPr/>
         <p:txBody>
           <a:bodyPr/>
-          <a:lstStyle>
-            <a:extLst/>
-          </a:lstStyle>
+          <a:lstStyle/>
           <a:p>
             <a:r>
               <a:rPr kumimoji="0" lang="ru-RU" smtClean="0"/>
@@ -1014,9 +1009,7 @@
         <p:spPr/>
         <p:txBody>
           <a:bodyPr vert="eaVert"/>
-          <a:lstStyle>
-            <a:extLst/>
-          </a:lstStyle>
+          <a:lstStyle/>
           <a:p>
             <a:pPr lvl="0" eaLnBrk="1" latinLnBrk="0" hangingPunct="1"/>
             <a:r>
@@ -1072,7 +1065,7 @@
           <a:p>
             <a:fld id="{2590F9C9-AB92-4E86-B698-DEC9BF4350FF}" type="datetimeFigureOut">
               <a:rPr lang="ru-RU" smtClean="0"/>
-              <a:t>01.02.2018</a:t>
+              <a:t>06.09.2018</a:t>
             </a:fld>
             <a:endParaRPr lang="ru-RU"/>
           </a:p>
@@ -1190,9 +1183,7 @@
         </p:style>
         <p:txBody>
           <a:bodyPr rtlCol="0" anchor="ctr"/>
-          <a:lstStyle>
-            <a:extLst/>
-          </a:lstStyle>
+          <a:lstStyle/>
           <a:p>
             <a:pPr algn="ctr" eaLnBrk="1" latinLnBrk="0" hangingPunct="1"/>
             <a:endParaRPr kumimoji="0" lang="en-US"/>
@@ -1237,9 +1228,7 @@
         </p:style>
         <p:txBody>
           <a:bodyPr rtlCol="0" anchor="ctr"/>
-          <a:lstStyle>
-            <a:extLst/>
-          </a:lstStyle>
+          <a:lstStyle/>
           <a:p>
             <a:pPr algn="ctr" eaLnBrk="1" latinLnBrk="0" hangingPunct="1"/>
             <a:endParaRPr kumimoji="0" lang="en-US"/>
@@ -1264,9 +1253,7 @@
         </p:spPr>
         <p:txBody>
           <a:bodyPr vert="eaVert"/>
-          <a:lstStyle>
-            <a:extLst/>
-          </a:lstStyle>
+          <a:lstStyle/>
           <a:p>
             <a:r>
               <a:rPr kumimoji="0" lang="ru-RU" smtClean="0"/>
@@ -1294,9 +1281,7 @@
         </p:spPr>
         <p:txBody>
           <a:bodyPr vert="eaVert"/>
-          <a:lstStyle>
-            <a:extLst/>
-          </a:lstStyle>
+          <a:lstStyle/>
           <a:p>
             <a:pPr lvl="0" eaLnBrk="1" latinLnBrk="0" hangingPunct="1"/>
             <a:r>
@@ -1352,7 +1337,7 @@
           <a:p>
             <a:fld id="{2590F9C9-AB92-4E86-B698-DEC9BF4350FF}" type="datetimeFigureOut">
               <a:rPr lang="ru-RU" smtClean="0"/>
-              <a:t>01.02.2018</a:t>
+              <a:t>06.09.2018</a:t>
             </a:fld>
             <a:endParaRPr lang="ru-RU"/>
           </a:p>
@@ -1448,9 +1433,7 @@
         </p:spPr>
         <p:txBody>
           <a:bodyPr/>
-          <a:lstStyle>
-            <a:extLst/>
-          </a:lstStyle>
+          <a:lstStyle/>
           <a:p>
             <a:r>
               <a:rPr kumimoji="0" lang="ru-RU" smtClean="0"/>
@@ -1473,9 +1456,7 @@
         <p:spPr/>
         <p:txBody>
           <a:bodyPr/>
-          <a:lstStyle>
-            <a:extLst/>
-          </a:lstStyle>
+          <a:lstStyle/>
           <a:p>
             <a:pPr lvl="0" eaLnBrk="1" latinLnBrk="0" hangingPunct="1"/>
             <a:r>
@@ -1531,7 +1512,7 @@
           <a:p>
             <a:fld id="{2590F9C9-AB92-4E86-B698-DEC9BF4350FF}" type="datetimeFigureOut">
               <a:rPr lang="ru-RU" smtClean="0"/>
-              <a:t>01.02.2018</a:t>
+              <a:t>06.09.2018</a:t>
             </a:fld>
             <a:endParaRPr lang="ru-RU"/>
           </a:p>
@@ -1654,9 +1635,7 @@
         </p:style>
         <p:txBody>
           <a:bodyPr rtlCol="0" anchor="ctr"/>
-          <a:lstStyle>
-            <a:extLst/>
-          </a:lstStyle>
+          <a:lstStyle/>
           <a:p>
             <a:pPr algn="ctr" eaLnBrk="1" latinLnBrk="0" hangingPunct="1"/>
             <a:endParaRPr kumimoji="0" lang="en-US"/>
@@ -1708,9 +1687,7 @@
         </p:style>
         <p:txBody>
           <a:bodyPr rtlCol="0" anchor="ctr"/>
-          <a:lstStyle>
-            <a:extLst/>
-          </a:lstStyle>
+          <a:lstStyle/>
           <a:p>
             <a:pPr algn="ctr" eaLnBrk="1" latinLnBrk="0" hangingPunct="1"/>
             <a:endParaRPr kumimoji="0" lang="en-US"/>
@@ -1896,7 +1873,7 @@
           <a:p>
             <a:fld id="{2590F9C9-AB92-4E86-B698-DEC9BF4350FF}" type="datetimeFigureOut">
               <a:rPr lang="ru-RU" smtClean="0"/>
-              <a:t>01.02.2018</a:t>
+              <a:t>06.09.2018</a:t>
             </a:fld>
             <a:endParaRPr lang="ru-RU"/>
           </a:p>
@@ -1989,9 +1966,7 @@
         <p:spPr/>
         <p:txBody>
           <a:bodyPr/>
-          <a:lstStyle>
-            <a:extLst/>
-          </a:lstStyle>
+          <a:lstStyle/>
           <a:p>
             <a:r>
               <a:rPr kumimoji="0" lang="ru-RU" smtClean="0"/>
@@ -2190,7 +2165,7 @@
           <a:p>
             <a:fld id="{2590F9C9-AB92-4E86-B698-DEC9BF4350FF}" type="datetimeFigureOut">
               <a:rPr lang="ru-RU" smtClean="0"/>
-              <a:t>01.02.2018</a:t>
+              <a:t>06.09.2018</a:t>
             </a:fld>
             <a:endParaRPr lang="ru-RU"/>
           </a:p>
@@ -2612,7 +2587,7 @@
           <a:p>
             <a:fld id="{2590F9C9-AB92-4E86-B698-DEC9BF4350FF}" type="datetimeFigureOut">
               <a:rPr lang="ru-RU" smtClean="0"/>
-              <a:t>01.02.2018</a:t>
+              <a:t>06.09.2018</a:t>
             </a:fld>
             <a:endParaRPr lang="ru-RU"/>
           </a:p>
@@ -2698,9 +2673,7 @@
         <p:spPr/>
         <p:txBody>
           <a:bodyPr/>
-          <a:lstStyle>
-            <a:extLst/>
-          </a:lstStyle>
+          <a:lstStyle/>
           <a:p>
             <a:r>
               <a:rPr kumimoji="0" lang="ru-RU" smtClean="0"/>
@@ -2727,7 +2700,7 @@
           <a:p>
             <a:fld id="{2590F9C9-AB92-4E86-B698-DEC9BF4350FF}" type="datetimeFigureOut">
               <a:rPr lang="ru-RU" smtClean="0"/>
-              <a:t>01.02.2018</a:t>
+              <a:t>06.09.2018</a:t>
             </a:fld>
             <a:endParaRPr lang="ru-RU"/>
           </a:p>
@@ -2824,7 +2797,7 @@
           <a:p>
             <a:fld id="{2590F9C9-AB92-4E86-B698-DEC9BF4350FF}" type="datetimeFigureOut">
               <a:rPr lang="ru-RU" smtClean="0"/>
-              <a:t>01.02.2018</a:t>
+              <a:t>06.09.2018</a:t>
             </a:fld>
             <a:endParaRPr lang="ru-RU"/>
           </a:p>
@@ -3109,7 +3082,7 @@
           <a:p>
             <a:fld id="{2590F9C9-AB92-4E86-B698-DEC9BF4350FF}" type="datetimeFigureOut">
               <a:rPr lang="ru-RU" smtClean="0"/>
-              <a:t>01.02.2018</a:t>
+              <a:t>06.09.2018</a:t>
             </a:fld>
             <a:endParaRPr lang="ru-RU"/>
           </a:p>
@@ -3195,9 +3168,7 @@
         </p:style>
         <p:txBody>
           <a:bodyPr rtlCol="0" anchor="ctr"/>
-          <a:lstStyle>
-            <a:extLst/>
-          </a:lstStyle>
+          <a:lstStyle/>
           <a:p>
             <a:pPr algn="ctr" eaLnBrk="1" latinLnBrk="0" hangingPunct="1"/>
             <a:endParaRPr kumimoji="0" lang="en-US"/>
@@ -3242,9 +3213,7 @@
         </p:style>
         <p:txBody>
           <a:bodyPr rtlCol="0" anchor="ctr"/>
-          <a:lstStyle>
-            <a:extLst/>
-          </a:lstStyle>
+          <a:lstStyle/>
           <a:p>
             <a:pPr algn="ctr" eaLnBrk="1" latinLnBrk="0" hangingPunct="1"/>
             <a:endParaRPr kumimoji="0" lang="en-US"/>
@@ -3475,7 +3444,7 @@
           <a:p>
             <a:fld id="{2590F9C9-AB92-4E86-B698-DEC9BF4350FF}" type="datetimeFigureOut">
               <a:rPr lang="ru-RU" smtClean="0"/>
-              <a:t>01.02.2018</a:t>
+              <a:t>06.09.2018</a:t>
             </a:fld>
             <a:endParaRPr lang="ru-RU"/>
           </a:p>
@@ -3519,9 +3488,7 @@
         </p:style>
         <p:txBody>
           <a:bodyPr rtlCol="0" anchor="ctr"/>
-          <a:lstStyle>
-            <a:extLst/>
-          </a:lstStyle>
+          <a:lstStyle/>
           <a:p>
             <a:pPr algn="ctr" eaLnBrk="1" latinLnBrk="0" hangingPunct="1"/>
             <a:endParaRPr kumimoji="0" lang="en-US"/>
@@ -3566,9 +3533,7 @@
         </p:style>
         <p:txBody>
           <a:bodyPr rtlCol="0" anchor="ctr"/>
-          <a:lstStyle>
-            <a:extLst/>
-          </a:lstStyle>
+          <a:lstStyle/>
           <a:p>
             <a:pPr algn="ctr" eaLnBrk="1" latinLnBrk="0" hangingPunct="1"/>
             <a:endParaRPr kumimoji="0" lang="en-US"/>
@@ -3712,9 +3677,7 @@
         </p:style>
         <p:txBody>
           <a:bodyPr rtlCol="0" anchor="ctr"/>
-          <a:lstStyle>
-            <a:extLst/>
-          </a:lstStyle>
+          <a:lstStyle/>
           <a:p>
             <a:pPr algn="ctr" eaLnBrk="1" latinLnBrk="0" hangingPunct="1"/>
             <a:endParaRPr kumimoji="0" lang="en-US"/>
@@ -3759,9 +3722,7 @@
         </p:style>
         <p:txBody>
           <a:bodyPr rtlCol="0" anchor="ctr"/>
-          <a:lstStyle>
-            <a:extLst/>
-          </a:lstStyle>
+          <a:lstStyle/>
           <a:p>
             <a:pPr algn="ctr" eaLnBrk="1" latinLnBrk="0" hangingPunct="1"/>
             <a:endParaRPr kumimoji="0" lang="en-US"/>
@@ -3800,9 +3761,7 @@
               <a:bevelT w="50800" h="10160"/>
             </a:sp3d>
           </a:bodyPr>
-          <a:lstStyle>
-            <a:extLst/>
-          </a:lstStyle>
+          <a:lstStyle/>
           <a:p>
             <a:r>
               <a:rPr kumimoji="0" lang="ru-RU" smtClean="0"/>
@@ -3835,9 +3794,7 @@
           <a:bodyPr vert="horz" lIns="54864" tIns="91440" rtlCol="0">
             <a:normAutofit/>
           </a:bodyPr>
-          <a:lstStyle>
-            <a:extLst/>
-          </a:lstStyle>
+          <a:lstStyle/>
           <a:p>
             <a:pPr lvl="0" eaLnBrk="1" latinLnBrk="0" hangingPunct="1"/>
             <a:r>
@@ -3912,7 +3869,7 @@
           <a:p>
             <a:fld id="{2590F9C9-AB92-4E86-B698-DEC9BF4350FF}" type="datetimeFigureOut">
               <a:rPr lang="ru-RU" smtClean="0"/>
-              <a:t>01.02.2018</a:t>
+              <a:t>06.09.2018</a:t>
             </a:fld>
             <a:endParaRPr lang="ru-RU"/>
           </a:p>
@@ -4342,7 +4299,7 @@
           <a:p>
             <a:r>
               <a:rPr lang="ru-RU" dirty="0" smtClean="0"/>
-              <a:t>Знакомство с паттернами проектирования</a:t>
+              <a:t>Паттерн «Стратегия»</a:t>
             </a:r>
             <a:endParaRPr lang="ru-RU" dirty="0"/>
           </a:p>
@@ -9589,6 +9546,128 @@
       </p:grpSpPr>
       <p:sp>
         <p:nvSpPr>
+          <p:cNvPr id="2" name="Title 1"/>
+          <p:cNvSpPr>
+            <a:spLocks noGrp="1"/>
+          </p:cNvSpPr>
+          <p:nvPr>
+            <p:ph type="title"/>
+          </p:nvPr>
+        </p:nvSpPr>
+        <p:spPr/>
+        <p:txBody>
+          <a:bodyPr/>
+          <a:lstStyle/>
+          <a:p>
+            <a:r>
+              <a:rPr lang="ru-RU" dirty="0" smtClean="0"/>
+              <a:t>Вопрос к аудитории</a:t>
+            </a:r>
+            <a:endParaRPr lang="ru-RU" dirty="0"/>
+          </a:p>
+        </p:txBody>
+      </p:sp>
+      <p:sp>
+        <p:nvSpPr>
+          <p:cNvPr id="3" name="Content Placeholder 2"/>
+          <p:cNvSpPr>
+            <a:spLocks noGrp="1"/>
+          </p:cNvSpPr>
+          <p:nvPr>
+            <p:ph sz="half" idx="1"/>
+          </p:nvPr>
+        </p:nvSpPr>
+        <p:spPr/>
+        <p:txBody>
+          <a:bodyPr>
+            <a:normAutofit fontScale="92500"/>
+          </a:bodyPr>
+          <a:lstStyle/>
+          <a:p>
+            <a:r>
+              <a:rPr lang="ru-RU" dirty="0" smtClean="0"/>
+              <a:t>Приложение позволяет размещать на холсте векторные фигуры</a:t>
+            </a:r>
+            <a:endParaRPr lang="en-US" dirty="0" smtClean="0"/>
+          </a:p>
+          <a:p>
+            <a:r>
+              <a:rPr lang="ru-RU" dirty="0" smtClean="0"/>
+              <a:t>Использовалась следующая иерархия классов фигур</a:t>
+            </a:r>
+          </a:p>
+          <a:p>
+            <a:r>
+              <a:rPr lang="ru-RU" dirty="0" smtClean="0"/>
+              <a:t>В новой версии понадобилось дать пользователю изменять тип фигуры</a:t>
+            </a:r>
+          </a:p>
+          <a:p>
+            <a:r>
+              <a:rPr lang="ru-RU" dirty="0" smtClean="0"/>
+              <a:t>Как?</a:t>
+            </a:r>
+          </a:p>
+        </p:txBody>
+      </p:sp>
+      <p:pic>
+        <p:nvPicPr>
+          <p:cNvPr id="6" name="Content Placeholder 5"/>
+          <p:cNvPicPr>
+            <a:picLocks noGrp="1" noChangeAspect="1"/>
+          </p:cNvPicPr>
+          <p:nvPr>
+            <p:ph sz="half" idx="2"/>
+          </p:nvPr>
+        </p:nvPicPr>
+        <p:blipFill>
+          <a:blip r:embed="rId2"/>
+          <a:stretch>
+            <a:fillRect/>
+          </a:stretch>
+        </p:blipFill>
+        <p:spPr>
+          <a:xfrm>
+            <a:off x="4572000" y="2927154"/>
+            <a:ext cx="4406599" cy="2270923"/>
+          </a:xfrm>
+          <a:prstGeom prst="rect">
+            <a:avLst/>
+          </a:prstGeom>
+        </p:spPr>
+      </p:pic>
+    </p:spTree>
+    <p:extLst>
+      <p:ext uri="{BB962C8B-B14F-4D97-AF65-F5344CB8AC3E}">
+        <p14:creationId xmlns:p14="http://schemas.microsoft.com/office/powerpoint/2010/main" val="2684848529"/>
+      </p:ext>
+    </p:extLst>
+  </p:cSld>
+  <p:clrMapOvr>
+    <a:masterClrMapping/>
+  </p:clrMapOvr>
+</p:sld>
+</file>
+
+<file path=ppt/slides/slide32.xml><?xml version="1.0" encoding="utf-8"?>
+<p:sld xmlns:a="http://schemas.openxmlformats.org/drawingml/2006/main" xmlns:r="http://schemas.openxmlformats.org/officeDocument/2006/relationships" xmlns:p="http://schemas.openxmlformats.org/presentationml/2006/main">
+  <p:cSld>
+    <p:spTree>
+      <p:nvGrpSpPr>
+        <p:cNvPr id="1" name=""/>
+        <p:cNvGrpSpPr/>
+        <p:nvPr/>
+      </p:nvGrpSpPr>
+      <p:grpSpPr>
+        <a:xfrm>
+          <a:off x="0" y="0"/>
+          <a:ext cx="0" cy="0"/>
+          <a:chOff x="0" y="0"/>
+          <a:chExt cx="0" cy="0"/>
+        </a:xfrm>
+      </p:grpSpPr>
+      <p:sp>
+        <p:nvSpPr>
           <p:cNvPr id="3" name="Заголовок 2"/>
           <p:cNvSpPr>
             <a:spLocks noGrp="1"/>
@@ -9677,7 +9756,7 @@
 </p:sld>
 </file>
 
-<file path=ppt/slides/slide32.xml><?xml version="1.0" encoding="utf-8"?>
+<file path=ppt/slides/slide33.xml><?xml version="1.0" encoding="utf-8"?>
 <p:sld xmlns:a="http://schemas.openxmlformats.org/drawingml/2006/main" xmlns:r="http://schemas.openxmlformats.org/officeDocument/2006/relationships" xmlns:p="http://schemas.openxmlformats.org/presentationml/2006/main">
   <p:cSld>
     <p:spTree>
